--- a/slides/hackspace_python_slides.pptx
+++ b/slides/hackspace_python_slides.pptx
@@ -144,6 +144,11 @@
       </a:defRPr>
     </a:lvl9pPr>
   </p:defaultTextStyle>
+  <p:extLst>
+    <p:ext uri="{EFAFB233-063F-42B5-8137-9DF3F51BA10A}">
+      <p15:sldGuideLst xmlns:p15="http://schemas.microsoft.com/office/powerpoint/2012/main"/>
+    </p:ext>
+  </p:extLst>
 </p:presentation>
 </file>
 
@@ -4334,11 +4339,11 @@
   <p:clrMapOvr>
     <a:masterClrMapping/>
   </p:clrMapOvr>
-  <mc:AlternateContent xmlns:mc="http://schemas.openxmlformats.org/markup-compatibility/2006">
-    <mc:Choice xmlns:p14="http://schemas.microsoft.com/office/powerpoint/2010/main" Requires="p14">
+  <mc:AlternateContent xmlns:mc="http://schemas.openxmlformats.org/markup-compatibility/2006" xmlns:p14="http://schemas.microsoft.com/office/powerpoint/2010/main">
+    <mc:Choice Requires="p14">
       <p:transition spd="slow" p14:dur="2000"/>
     </mc:Choice>
-    <mc:Fallback>
+    <mc:Fallback xmlns="">
       <p:transition spd="slow"/>
     </mc:Fallback>
   </mc:AlternateContent>
@@ -4510,11 +4515,11 @@
   <p:clrMapOvr>
     <a:masterClrMapping/>
   </p:clrMapOvr>
-  <mc:AlternateContent xmlns:mc="http://schemas.openxmlformats.org/markup-compatibility/2006">
-    <mc:Choice xmlns:p14="http://schemas.microsoft.com/office/powerpoint/2010/main" Requires="p14">
+  <mc:AlternateContent xmlns:mc="http://schemas.openxmlformats.org/markup-compatibility/2006" xmlns:p14="http://schemas.microsoft.com/office/powerpoint/2010/main">
+    <mc:Choice Requires="p14">
       <p:transition spd="slow" p14:dur="2000"/>
     </mc:Choice>
-    <mc:Fallback>
+    <mc:Fallback xmlns="">
       <p:transition spd="slow"/>
     </mc:Fallback>
   </mc:AlternateContent>
@@ -4696,11 +4701,11 @@
   <p:clrMapOvr>
     <a:masterClrMapping/>
   </p:clrMapOvr>
-  <mc:AlternateContent xmlns:mc="http://schemas.openxmlformats.org/markup-compatibility/2006">
-    <mc:Choice xmlns:p14="http://schemas.microsoft.com/office/powerpoint/2010/main" Requires="p14">
+  <mc:AlternateContent xmlns:mc="http://schemas.openxmlformats.org/markup-compatibility/2006" xmlns:p14="http://schemas.microsoft.com/office/powerpoint/2010/main">
+    <mc:Choice Requires="p14">
       <p:transition spd="slow" p14:dur="2000"/>
     </mc:Choice>
-    <mc:Fallback>
+    <mc:Fallback xmlns="">
       <p:transition spd="slow"/>
     </mc:Fallback>
   </mc:AlternateContent>
@@ -4894,11 +4899,11 @@
   <p:clrMapOvr>
     <a:masterClrMapping/>
   </p:clrMapOvr>
-  <mc:AlternateContent xmlns:mc="http://schemas.openxmlformats.org/markup-compatibility/2006">
-    <mc:Choice xmlns:p14="http://schemas.microsoft.com/office/powerpoint/2010/main" Requires="p14">
+  <mc:AlternateContent xmlns:mc="http://schemas.openxmlformats.org/markup-compatibility/2006" xmlns:p14="http://schemas.microsoft.com/office/powerpoint/2010/main">
+    <mc:Choice Requires="p14">
       <p:transition spd="slow" p14:dur="2000"/>
     </mc:Choice>
-    <mc:Fallback>
+    <mc:Fallback xmlns="">
       <p:transition spd="slow"/>
     </mc:Fallback>
   </mc:AlternateContent>
@@ -5070,11 +5075,11 @@
   <p:clrMapOvr>
     <a:masterClrMapping/>
   </p:clrMapOvr>
-  <mc:AlternateContent xmlns:mc="http://schemas.openxmlformats.org/markup-compatibility/2006">
-    <mc:Choice xmlns:p14="http://schemas.microsoft.com/office/powerpoint/2010/main" Requires="p14">
+  <mc:AlternateContent xmlns:mc="http://schemas.openxmlformats.org/markup-compatibility/2006" xmlns:p14="http://schemas.microsoft.com/office/powerpoint/2010/main">
+    <mc:Choice Requires="p14">
       <p:transition spd="slow" p14:dur="2000"/>
     </mc:Choice>
-    <mc:Fallback>
+    <mc:Fallback xmlns="">
       <p:transition spd="slow"/>
     </mc:Fallback>
   </mc:AlternateContent>
@@ -5322,11 +5327,11 @@
   <p:clrMapOvr>
     <a:masterClrMapping/>
   </p:clrMapOvr>
-  <mc:AlternateContent xmlns:mc="http://schemas.openxmlformats.org/markup-compatibility/2006">
-    <mc:Choice xmlns:p14="http://schemas.microsoft.com/office/powerpoint/2010/main" Requires="p14">
+  <mc:AlternateContent xmlns:mc="http://schemas.openxmlformats.org/markup-compatibility/2006" xmlns:p14="http://schemas.microsoft.com/office/powerpoint/2010/main">
+    <mc:Choice Requires="p14">
       <p:transition spd="slow" p14:dur="2000"/>
     </mc:Choice>
-    <mc:Fallback>
+    <mc:Fallback xmlns="">
       <p:transition spd="slow"/>
     </mc:Fallback>
   </mc:AlternateContent>
@@ -5560,11 +5565,11 @@
   <p:clrMapOvr>
     <a:masterClrMapping/>
   </p:clrMapOvr>
-  <mc:AlternateContent xmlns:mc="http://schemas.openxmlformats.org/markup-compatibility/2006">
-    <mc:Choice xmlns:p14="http://schemas.microsoft.com/office/powerpoint/2010/main" Requires="p14">
+  <mc:AlternateContent xmlns:mc="http://schemas.openxmlformats.org/markup-compatibility/2006" xmlns:p14="http://schemas.microsoft.com/office/powerpoint/2010/main">
+    <mc:Choice Requires="p14">
       <p:transition spd="slow" p14:dur="2000"/>
     </mc:Choice>
-    <mc:Fallback>
+    <mc:Fallback xmlns="">
       <p:transition spd="slow"/>
     </mc:Fallback>
   </mc:AlternateContent>
@@ -5933,11 +5938,11 @@
   <p:clrMapOvr>
     <a:masterClrMapping/>
   </p:clrMapOvr>
-  <mc:AlternateContent xmlns:mc="http://schemas.openxmlformats.org/markup-compatibility/2006">
-    <mc:Choice xmlns:p14="http://schemas.microsoft.com/office/powerpoint/2010/main" Requires="p14">
+  <mc:AlternateContent xmlns:mc="http://schemas.openxmlformats.org/markup-compatibility/2006" xmlns:p14="http://schemas.microsoft.com/office/powerpoint/2010/main">
+    <mc:Choice Requires="p14">
       <p:transition spd="slow" p14:dur="2000"/>
     </mc:Choice>
-    <mc:Fallback>
+    <mc:Fallback xmlns="">
       <p:transition spd="slow"/>
     </mc:Fallback>
   </mc:AlternateContent>
@@ -6057,11 +6062,11 @@
   <p:clrMapOvr>
     <a:masterClrMapping/>
   </p:clrMapOvr>
-  <mc:AlternateContent xmlns:mc="http://schemas.openxmlformats.org/markup-compatibility/2006">
-    <mc:Choice xmlns:p14="http://schemas.microsoft.com/office/powerpoint/2010/main" Requires="p14">
+  <mc:AlternateContent xmlns:mc="http://schemas.openxmlformats.org/markup-compatibility/2006" xmlns:p14="http://schemas.microsoft.com/office/powerpoint/2010/main">
+    <mc:Choice Requires="p14">
       <p:transition spd="slow" p14:dur="2000"/>
     </mc:Choice>
-    <mc:Fallback>
+    <mc:Fallback xmlns="">
       <p:transition spd="slow"/>
     </mc:Fallback>
   </mc:AlternateContent>
@@ -6158,11 +6163,11 @@
   <p:clrMapOvr>
     <a:masterClrMapping/>
   </p:clrMapOvr>
-  <mc:AlternateContent xmlns:mc="http://schemas.openxmlformats.org/markup-compatibility/2006">
-    <mc:Choice xmlns:p14="http://schemas.microsoft.com/office/powerpoint/2010/main" Requires="p14">
+  <mc:AlternateContent xmlns:mc="http://schemas.openxmlformats.org/markup-compatibility/2006" xmlns:p14="http://schemas.microsoft.com/office/powerpoint/2010/main">
+    <mc:Choice Requires="p14">
       <p:transition spd="slow" p14:dur="2000"/>
     </mc:Choice>
-    <mc:Fallback>
+    <mc:Fallback xmlns="">
       <p:transition spd="slow"/>
     </mc:Fallback>
   </mc:AlternateContent>
@@ -6441,11 +6446,11 @@
   <p:clrMapOvr>
     <a:masterClrMapping/>
   </p:clrMapOvr>
-  <mc:AlternateContent xmlns:mc="http://schemas.openxmlformats.org/markup-compatibility/2006">
-    <mc:Choice xmlns:p14="http://schemas.microsoft.com/office/powerpoint/2010/main" Requires="p14">
+  <mc:AlternateContent xmlns:mc="http://schemas.openxmlformats.org/markup-compatibility/2006" xmlns:p14="http://schemas.microsoft.com/office/powerpoint/2010/main">
+    <mc:Choice Requires="p14">
       <p:transition spd="slow" p14:dur="2000"/>
     </mc:Choice>
-    <mc:Fallback>
+    <mc:Fallback xmlns="">
       <p:transition spd="slow"/>
     </mc:Fallback>
   </mc:AlternateContent>
@@ -6617,11 +6622,11 @@
   <p:clrMapOvr>
     <a:masterClrMapping/>
   </p:clrMapOvr>
-  <mc:AlternateContent xmlns:mc="http://schemas.openxmlformats.org/markup-compatibility/2006">
-    <mc:Choice xmlns:p14="http://schemas.microsoft.com/office/powerpoint/2010/main" Requires="p14">
+  <mc:AlternateContent xmlns:mc="http://schemas.openxmlformats.org/markup-compatibility/2006" xmlns:p14="http://schemas.microsoft.com/office/powerpoint/2010/main">
+    <mc:Choice Requires="p14">
       <p:transition spd="slow" p14:dur="2000"/>
     </mc:Choice>
-    <mc:Fallback>
+    <mc:Fallback xmlns="">
       <p:transition spd="slow"/>
     </mc:Fallback>
   </mc:AlternateContent>
@@ -6876,11 +6881,11 @@
   <p:clrMapOvr>
     <a:masterClrMapping/>
   </p:clrMapOvr>
-  <mc:AlternateContent xmlns:mc="http://schemas.openxmlformats.org/markup-compatibility/2006">
-    <mc:Choice xmlns:p14="http://schemas.microsoft.com/office/powerpoint/2010/main" Requires="p14">
+  <mc:AlternateContent xmlns:mc="http://schemas.openxmlformats.org/markup-compatibility/2006" xmlns:p14="http://schemas.microsoft.com/office/powerpoint/2010/main">
+    <mc:Choice Requires="p14">
       <p:transition spd="slow" p14:dur="2000"/>
     </mc:Choice>
-    <mc:Fallback>
+    <mc:Fallback xmlns="">
       <p:transition spd="slow"/>
     </mc:Fallback>
   </mc:AlternateContent>
@@ -7052,11 +7057,11 @@
   <p:clrMapOvr>
     <a:masterClrMapping/>
   </p:clrMapOvr>
-  <mc:AlternateContent xmlns:mc="http://schemas.openxmlformats.org/markup-compatibility/2006">
-    <mc:Choice xmlns:p14="http://schemas.microsoft.com/office/powerpoint/2010/main" Requires="p14">
+  <mc:AlternateContent xmlns:mc="http://schemas.openxmlformats.org/markup-compatibility/2006" xmlns:p14="http://schemas.microsoft.com/office/powerpoint/2010/main">
+    <mc:Choice Requires="p14">
       <p:transition spd="slow" p14:dur="2000"/>
     </mc:Choice>
-    <mc:Fallback>
+    <mc:Fallback xmlns="">
       <p:transition spd="slow"/>
     </mc:Fallback>
   </mc:AlternateContent>
@@ -7238,11 +7243,11 @@
   <p:clrMapOvr>
     <a:masterClrMapping/>
   </p:clrMapOvr>
-  <mc:AlternateContent xmlns:mc="http://schemas.openxmlformats.org/markup-compatibility/2006">
-    <mc:Choice xmlns:p14="http://schemas.microsoft.com/office/powerpoint/2010/main" Requires="p14">
+  <mc:AlternateContent xmlns:mc="http://schemas.openxmlformats.org/markup-compatibility/2006" xmlns:p14="http://schemas.microsoft.com/office/powerpoint/2010/main">
+    <mc:Choice Requires="p14">
       <p:transition spd="slow" p14:dur="2000"/>
     </mc:Choice>
-    <mc:Fallback>
+    <mc:Fallback xmlns="">
       <p:transition spd="slow"/>
     </mc:Fallback>
   </mc:AlternateContent>
@@ -7436,11 +7441,11 @@
   <p:clrMapOvr>
     <a:masterClrMapping/>
   </p:clrMapOvr>
-  <mc:AlternateContent xmlns:mc="http://schemas.openxmlformats.org/markup-compatibility/2006">
-    <mc:Choice xmlns:p14="http://schemas.microsoft.com/office/powerpoint/2010/main" Requires="p14">
+  <mc:AlternateContent xmlns:mc="http://schemas.openxmlformats.org/markup-compatibility/2006" xmlns:p14="http://schemas.microsoft.com/office/powerpoint/2010/main">
+    <mc:Choice Requires="p14">
       <p:transition spd="slow" p14:dur="2000"/>
     </mc:Choice>
-    <mc:Fallback>
+    <mc:Fallback xmlns="">
       <p:transition spd="slow"/>
     </mc:Fallback>
   </mc:AlternateContent>
@@ -7612,11 +7617,11 @@
   <p:clrMapOvr>
     <a:masterClrMapping/>
   </p:clrMapOvr>
-  <mc:AlternateContent xmlns:mc="http://schemas.openxmlformats.org/markup-compatibility/2006">
-    <mc:Choice xmlns:p14="http://schemas.microsoft.com/office/powerpoint/2010/main" Requires="p14">
+  <mc:AlternateContent xmlns:mc="http://schemas.openxmlformats.org/markup-compatibility/2006" xmlns:p14="http://schemas.microsoft.com/office/powerpoint/2010/main">
+    <mc:Choice Requires="p14">
       <p:transition spd="slow" p14:dur="2000"/>
     </mc:Choice>
-    <mc:Fallback>
+    <mc:Fallback xmlns="">
       <p:transition spd="slow"/>
     </mc:Fallback>
   </mc:AlternateContent>
@@ -7864,11 +7869,11 @@
   <p:clrMapOvr>
     <a:masterClrMapping/>
   </p:clrMapOvr>
-  <mc:AlternateContent xmlns:mc="http://schemas.openxmlformats.org/markup-compatibility/2006">
-    <mc:Choice xmlns:p14="http://schemas.microsoft.com/office/powerpoint/2010/main" Requires="p14">
+  <mc:AlternateContent xmlns:mc="http://schemas.openxmlformats.org/markup-compatibility/2006" xmlns:p14="http://schemas.microsoft.com/office/powerpoint/2010/main">
+    <mc:Choice Requires="p14">
       <p:transition spd="slow" p14:dur="2000"/>
     </mc:Choice>
-    <mc:Fallback>
+    <mc:Fallback xmlns="">
       <p:transition spd="slow"/>
     </mc:Fallback>
   </mc:AlternateContent>
@@ -8102,11 +8107,11 @@
   <p:clrMapOvr>
     <a:masterClrMapping/>
   </p:clrMapOvr>
-  <mc:AlternateContent xmlns:mc="http://schemas.openxmlformats.org/markup-compatibility/2006">
-    <mc:Choice xmlns:p14="http://schemas.microsoft.com/office/powerpoint/2010/main" Requires="p14">
+  <mc:AlternateContent xmlns:mc="http://schemas.openxmlformats.org/markup-compatibility/2006" xmlns:p14="http://schemas.microsoft.com/office/powerpoint/2010/main">
+    <mc:Choice Requires="p14">
       <p:transition spd="slow" p14:dur="2000"/>
     </mc:Choice>
-    <mc:Fallback>
+    <mc:Fallback xmlns="">
       <p:transition spd="slow"/>
     </mc:Fallback>
   </mc:AlternateContent>
@@ -8475,11 +8480,11 @@
   <p:clrMapOvr>
     <a:masterClrMapping/>
   </p:clrMapOvr>
-  <mc:AlternateContent xmlns:mc="http://schemas.openxmlformats.org/markup-compatibility/2006">
-    <mc:Choice xmlns:p14="http://schemas.microsoft.com/office/powerpoint/2010/main" Requires="p14">
+  <mc:AlternateContent xmlns:mc="http://schemas.openxmlformats.org/markup-compatibility/2006" xmlns:p14="http://schemas.microsoft.com/office/powerpoint/2010/main">
+    <mc:Choice Requires="p14">
       <p:transition spd="slow" p14:dur="2000"/>
     </mc:Choice>
-    <mc:Fallback>
+    <mc:Fallback xmlns="">
       <p:transition spd="slow"/>
     </mc:Fallback>
   </mc:AlternateContent>
@@ -8599,11 +8604,11 @@
   <p:clrMapOvr>
     <a:masterClrMapping/>
   </p:clrMapOvr>
-  <mc:AlternateContent xmlns:mc="http://schemas.openxmlformats.org/markup-compatibility/2006">
-    <mc:Choice xmlns:p14="http://schemas.microsoft.com/office/powerpoint/2010/main" Requires="p14">
+  <mc:AlternateContent xmlns:mc="http://schemas.openxmlformats.org/markup-compatibility/2006" xmlns:p14="http://schemas.microsoft.com/office/powerpoint/2010/main">
+    <mc:Choice Requires="p14">
       <p:transition spd="slow" p14:dur="2000"/>
     </mc:Choice>
-    <mc:Fallback>
+    <mc:Fallback xmlns="">
       <p:transition spd="slow"/>
     </mc:Fallback>
   </mc:AlternateContent>
@@ -8700,11 +8705,11 @@
   <p:clrMapOvr>
     <a:masterClrMapping/>
   </p:clrMapOvr>
-  <mc:AlternateContent xmlns:mc="http://schemas.openxmlformats.org/markup-compatibility/2006">
-    <mc:Choice xmlns:p14="http://schemas.microsoft.com/office/powerpoint/2010/main" Requires="p14">
+  <mc:AlternateContent xmlns:mc="http://schemas.openxmlformats.org/markup-compatibility/2006" xmlns:p14="http://schemas.microsoft.com/office/powerpoint/2010/main">
+    <mc:Choice Requires="p14">
       <p:transition spd="slow" p14:dur="2000"/>
     </mc:Choice>
-    <mc:Fallback>
+    <mc:Fallback xmlns="">
       <p:transition spd="slow"/>
     </mc:Fallback>
   </mc:AlternateContent>
@@ -8953,11 +8958,11 @@
   <p:clrMapOvr>
     <a:masterClrMapping/>
   </p:clrMapOvr>
-  <mc:AlternateContent xmlns:mc="http://schemas.openxmlformats.org/markup-compatibility/2006">
-    <mc:Choice xmlns:p14="http://schemas.microsoft.com/office/powerpoint/2010/main" Requires="p14">
+  <mc:AlternateContent xmlns:mc="http://schemas.openxmlformats.org/markup-compatibility/2006" xmlns:p14="http://schemas.microsoft.com/office/powerpoint/2010/main">
+    <mc:Choice Requires="p14">
       <p:transition spd="slow" p14:dur="2000"/>
     </mc:Choice>
-    <mc:Fallback>
+    <mc:Fallback xmlns="">
       <p:transition spd="slow"/>
     </mc:Fallback>
   </mc:AlternateContent>
@@ -9236,11 +9241,11 @@
   <p:clrMapOvr>
     <a:masterClrMapping/>
   </p:clrMapOvr>
-  <mc:AlternateContent xmlns:mc="http://schemas.openxmlformats.org/markup-compatibility/2006">
-    <mc:Choice xmlns:p14="http://schemas.microsoft.com/office/powerpoint/2010/main" Requires="p14">
+  <mc:AlternateContent xmlns:mc="http://schemas.openxmlformats.org/markup-compatibility/2006" xmlns:p14="http://schemas.microsoft.com/office/powerpoint/2010/main">
+    <mc:Choice Requires="p14">
       <p:transition spd="slow" p14:dur="2000"/>
     </mc:Choice>
-    <mc:Fallback>
+    <mc:Fallback xmlns="">
       <p:transition spd="slow"/>
     </mc:Fallback>
   </mc:AlternateContent>
@@ -9495,11 +9500,11 @@
   <p:clrMapOvr>
     <a:masterClrMapping/>
   </p:clrMapOvr>
-  <mc:AlternateContent xmlns:mc="http://schemas.openxmlformats.org/markup-compatibility/2006">
-    <mc:Choice xmlns:p14="http://schemas.microsoft.com/office/powerpoint/2010/main" Requires="p14">
+  <mc:AlternateContent xmlns:mc="http://schemas.openxmlformats.org/markup-compatibility/2006" xmlns:p14="http://schemas.microsoft.com/office/powerpoint/2010/main">
+    <mc:Choice Requires="p14">
       <p:transition spd="slow" p14:dur="2000"/>
     </mc:Choice>
-    <mc:Fallback>
+    <mc:Fallback xmlns="">
       <p:transition spd="slow"/>
     </mc:Fallback>
   </mc:AlternateContent>
@@ -9671,11 +9676,11 @@
   <p:clrMapOvr>
     <a:masterClrMapping/>
   </p:clrMapOvr>
-  <mc:AlternateContent xmlns:mc="http://schemas.openxmlformats.org/markup-compatibility/2006">
-    <mc:Choice xmlns:p14="http://schemas.microsoft.com/office/powerpoint/2010/main" Requires="p14">
+  <mc:AlternateContent xmlns:mc="http://schemas.openxmlformats.org/markup-compatibility/2006" xmlns:p14="http://schemas.microsoft.com/office/powerpoint/2010/main">
+    <mc:Choice Requires="p14">
       <p:transition spd="slow" p14:dur="2000"/>
     </mc:Choice>
-    <mc:Fallback>
+    <mc:Fallback xmlns="">
       <p:transition spd="slow"/>
     </mc:Fallback>
   </mc:AlternateContent>
@@ -9857,11 +9862,11 @@
   <p:clrMapOvr>
     <a:masterClrMapping/>
   </p:clrMapOvr>
-  <mc:AlternateContent xmlns:mc="http://schemas.openxmlformats.org/markup-compatibility/2006">
-    <mc:Choice xmlns:p14="http://schemas.microsoft.com/office/powerpoint/2010/main" Requires="p14">
+  <mc:AlternateContent xmlns:mc="http://schemas.openxmlformats.org/markup-compatibility/2006" xmlns:p14="http://schemas.microsoft.com/office/powerpoint/2010/main">
+    <mc:Choice Requires="p14">
       <p:transition spd="slow" p14:dur="2000"/>
     </mc:Choice>
-    <mc:Fallback>
+    <mc:Fallback xmlns="">
       <p:transition spd="slow"/>
     </mc:Fallback>
   </mc:AlternateContent>
@@ -10095,11 +10100,11 @@
   <p:clrMapOvr>
     <a:masterClrMapping/>
   </p:clrMapOvr>
-  <mc:AlternateContent xmlns:mc="http://schemas.openxmlformats.org/markup-compatibility/2006">
-    <mc:Choice xmlns:p14="http://schemas.microsoft.com/office/powerpoint/2010/main" Requires="p14">
+  <mc:AlternateContent xmlns:mc="http://schemas.openxmlformats.org/markup-compatibility/2006" xmlns:p14="http://schemas.microsoft.com/office/powerpoint/2010/main">
+    <mc:Choice Requires="p14">
       <p:transition spd="slow" p14:dur="2000"/>
     </mc:Choice>
-    <mc:Fallback>
+    <mc:Fallback xmlns="">
       <p:transition spd="slow"/>
     </mc:Fallback>
   </mc:AlternateContent>
@@ -10468,11 +10473,11 @@
   <p:clrMapOvr>
     <a:masterClrMapping/>
   </p:clrMapOvr>
-  <mc:AlternateContent xmlns:mc="http://schemas.openxmlformats.org/markup-compatibility/2006">
-    <mc:Choice xmlns:p14="http://schemas.microsoft.com/office/powerpoint/2010/main" Requires="p14">
+  <mc:AlternateContent xmlns:mc="http://schemas.openxmlformats.org/markup-compatibility/2006" xmlns:p14="http://schemas.microsoft.com/office/powerpoint/2010/main">
+    <mc:Choice Requires="p14">
       <p:transition spd="slow" p14:dur="2000"/>
     </mc:Choice>
-    <mc:Fallback>
+    <mc:Fallback xmlns="">
       <p:transition spd="slow"/>
     </mc:Fallback>
   </mc:AlternateContent>
@@ -10592,11 +10597,11 @@
   <p:clrMapOvr>
     <a:masterClrMapping/>
   </p:clrMapOvr>
-  <mc:AlternateContent xmlns:mc="http://schemas.openxmlformats.org/markup-compatibility/2006">
-    <mc:Choice xmlns:p14="http://schemas.microsoft.com/office/powerpoint/2010/main" Requires="p14">
+  <mc:AlternateContent xmlns:mc="http://schemas.openxmlformats.org/markup-compatibility/2006" xmlns:p14="http://schemas.microsoft.com/office/powerpoint/2010/main">
+    <mc:Choice Requires="p14">
       <p:transition spd="slow" p14:dur="2000"/>
     </mc:Choice>
-    <mc:Fallback>
+    <mc:Fallback xmlns="">
       <p:transition spd="slow"/>
     </mc:Fallback>
   </mc:AlternateContent>
@@ -10693,11 +10698,11 @@
   <p:clrMapOvr>
     <a:masterClrMapping/>
   </p:clrMapOvr>
-  <mc:AlternateContent xmlns:mc="http://schemas.openxmlformats.org/markup-compatibility/2006">
-    <mc:Choice xmlns:p14="http://schemas.microsoft.com/office/powerpoint/2010/main" Requires="p14">
+  <mc:AlternateContent xmlns:mc="http://schemas.openxmlformats.org/markup-compatibility/2006" xmlns:p14="http://schemas.microsoft.com/office/powerpoint/2010/main">
+    <mc:Choice Requires="p14">
       <p:transition spd="slow" p14:dur="2000"/>
     </mc:Choice>
-    <mc:Fallback>
+    <mc:Fallback xmlns="">
       <p:transition spd="slow"/>
     </mc:Fallback>
   </mc:AlternateContent>
@@ -10976,11 +10981,11 @@
   <p:clrMapOvr>
     <a:masterClrMapping/>
   </p:clrMapOvr>
-  <mc:AlternateContent xmlns:mc="http://schemas.openxmlformats.org/markup-compatibility/2006">
-    <mc:Choice xmlns:p14="http://schemas.microsoft.com/office/powerpoint/2010/main" Requires="p14">
+  <mc:AlternateContent xmlns:mc="http://schemas.openxmlformats.org/markup-compatibility/2006" xmlns:p14="http://schemas.microsoft.com/office/powerpoint/2010/main">
+    <mc:Choice Requires="p14">
       <p:transition spd="slow" p14:dur="2000"/>
     </mc:Choice>
-    <mc:Fallback>
+    <mc:Fallback xmlns="">
       <p:transition spd="slow"/>
     </mc:Fallback>
   </mc:AlternateContent>
@@ -11235,11 +11240,11 @@
   <p:clrMapOvr>
     <a:masterClrMapping/>
   </p:clrMapOvr>
-  <mc:AlternateContent xmlns:mc="http://schemas.openxmlformats.org/markup-compatibility/2006">
-    <mc:Choice xmlns:p14="http://schemas.microsoft.com/office/powerpoint/2010/main" Requires="p14">
+  <mc:AlternateContent xmlns:mc="http://schemas.openxmlformats.org/markup-compatibility/2006" xmlns:p14="http://schemas.microsoft.com/office/powerpoint/2010/main">
+    <mc:Choice Requires="p14">
       <p:transition spd="slow" p14:dur="2000"/>
     </mc:Choice>
-    <mc:Fallback>
+    <mc:Fallback xmlns="">
       <p:transition spd="slow"/>
     </mc:Fallback>
   </mc:AlternateContent>
@@ -11515,11 +11520,11 @@
     <p:sldLayoutId id="2147483658" r:id="rId10"/>
     <p:sldLayoutId id="2147483659" r:id="rId11"/>
   </p:sldLayoutIdLst>
-  <mc:AlternateContent xmlns:mc="http://schemas.openxmlformats.org/markup-compatibility/2006">
-    <mc:Choice xmlns:p14="http://schemas.microsoft.com/office/powerpoint/2010/main" Requires="p14">
+  <mc:AlternateContent xmlns:mc="http://schemas.openxmlformats.org/markup-compatibility/2006" xmlns:p14="http://schemas.microsoft.com/office/powerpoint/2010/main">
+    <mc:Choice Requires="p14">
       <p:transition spd="slow" p14:dur="2000"/>
     </mc:Choice>
-    <mc:Fallback>
+    <mc:Fallback xmlns="">
       <p:transition spd="slow"/>
     </mc:Fallback>
   </mc:AlternateContent>
@@ -12073,11 +12078,11 @@
     <p:sldLayoutId id="2147483670" r:id="rId10"/>
     <p:sldLayoutId id="2147483671" r:id="rId11"/>
   </p:sldLayoutIdLst>
-  <mc:AlternateContent xmlns:mc="http://schemas.openxmlformats.org/markup-compatibility/2006">
-    <mc:Choice xmlns:p14="http://schemas.microsoft.com/office/powerpoint/2010/main" Requires="p14">
+  <mc:AlternateContent xmlns:mc="http://schemas.openxmlformats.org/markup-compatibility/2006" xmlns:p14="http://schemas.microsoft.com/office/powerpoint/2010/main">
+    <mc:Choice Requires="p14">
       <p:transition spd="slow" p14:dur="2000"/>
     </mc:Choice>
-    <mc:Fallback>
+    <mc:Fallback xmlns="">
       <p:transition spd="slow"/>
     </mc:Fallback>
   </mc:AlternateContent>
@@ -12631,11 +12636,11 @@
     <p:sldLayoutId id="2147483682" r:id="rId10"/>
     <p:sldLayoutId id="2147483683" r:id="rId11"/>
   </p:sldLayoutIdLst>
-  <mc:AlternateContent xmlns:mc="http://schemas.openxmlformats.org/markup-compatibility/2006">
-    <mc:Choice xmlns:p14="http://schemas.microsoft.com/office/powerpoint/2010/main" Requires="p14">
+  <mc:AlternateContent xmlns:mc="http://schemas.openxmlformats.org/markup-compatibility/2006" xmlns:p14="http://schemas.microsoft.com/office/powerpoint/2010/main">
+    <mc:Choice Requires="p14">
       <p:transition spd="slow" p14:dur="2000"/>
     </mc:Choice>
-    <mc:Fallback>
+    <mc:Fallback xmlns="">
       <p:transition spd="slow"/>
     </mc:Fallback>
   </mc:AlternateContent>
@@ -13079,11 +13084,11 @@
   <p:clrMapOvr>
     <a:masterClrMapping/>
   </p:clrMapOvr>
-  <mc:AlternateContent xmlns:mc="http://schemas.openxmlformats.org/markup-compatibility/2006">
-    <mc:Choice xmlns:p14="http://schemas.microsoft.com/office/powerpoint/2010/main" Requires="p14">
+  <mc:AlternateContent xmlns:mc="http://schemas.openxmlformats.org/markup-compatibility/2006" xmlns:p14="http://schemas.microsoft.com/office/powerpoint/2010/main">
+    <mc:Choice Requires="p14">
       <p:transition spd="slow" p14:dur="2000"/>
     </mc:Choice>
-    <mc:Fallback>
+    <mc:Fallback xmlns="">
       <p:transition spd="slow"/>
     </mc:Fallback>
   </mc:AlternateContent>
@@ -15041,11 +15046,11 @@
   <p:clrMapOvr>
     <a:masterClrMapping/>
   </p:clrMapOvr>
-  <mc:AlternateContent xmlns:mc="http://schemas.openxmlformats.org/markup-compatibility/2006">
-    <mc:Choice xmlns:p14="http://schemas.microsoft.com/office/powerpoint/2010/main" Requires="p14">
+  <mc:AlternateContent xmlns:mc="http://schemas.openxmlformats.org/markup-compatibility/2006" xmlns:p14="http://schemas.microsoft.com/office/powerpoint/2010/main">
+    <mc:Choice Requires="p14">
       <p:transition spd="slow" p14:dur="2000"/>
     </mc:Choice>
-    <mc:Fallback>
+    <mc:Fallback xmlns="">
       <p:transition spd="slow"/>
     </mc:Fallback>
   </mc:AlternateContent>
@@ -15709,11 +15714,11 @@
   <p:clrMapOvr>
     <a:masterClrMapping/>
   </p:clrMapOvr>
-  <mc:AlternateContent xmlns:mc="http://schemas.openxmlformats.org/markup-compatibility/2006">
-    <mc:Choice xmlns:p14="http://schemas.microsoft.com/office/powerpoint/2010/main" Requires="p14">
+  <mc:AlternateContent xmlns:mc="http://schemas.openxmlformats.org/markup-compatibility/2006" xmlns:p14="http://schemas.microsoft.com/office/powerpoint/2010/main">
+    <mc:Choice Requires="p14">
       <p:transition spd="slow" p14:dur="2000"/>
     </mc:Choice>
-    <mc:Fallback>
+    <mc:Fallback xmlns="">
       <p:transition spd="slow"/>
     </mc:Fallback>
   </mc:AlternateContent>
@@ -15894,11 +15899,11 @@
   <p:clrMapOvr>
     <a:masterClrMapping/>
   </p:clrMapOvr>
-  <mc:AlternateContent xmlns:mc="http://schemas.openxmlformats.org/markup-compatibility/2006">
-    <mc:Choice xmlns:p14="http://schemas.microsoft.com/office/powerpoint/2010/main" Requires="p14">
+  <mc:AlternateContent xmlns:mc="http://schemas.openxmlformats.org/markup-compatibility/2006" xmlns:p14="http://schemas.microsoft.com/office/powerpoint/2010/main">
+    <mc:Choice Requires="p14">
       <p:transition spd="slow" p14:dur="2000"/>
     </mc:Choice>
-    <mc:Fallback>
+    <mc:Fallback xmlns="">
       <p:transition spd="slow"/>
     </mc:Fallback>
   </mc:AlternateContent>
@@ -16097,8 +16102,17 @@
               <a:rPr lang="en-GB" sz="1800" dirty="0">
                 <a:latin typeface="Courier New" pitchFamily="49"/>
               </a:rPr>
-              <a:t> x == “Mark”:</a:t>
-            </a:r>
+              <a:t> x == </a:t>
+            </a:r>
+            <a:r>
+              <a:rPr lang="en-GB" sz="1800" dirty="0" smtClean="0">
+                <a:latin typeface="Courier New" pitchFamily="49"/>
+              </a:rPr>
+              <a:t>“Dave”:</a:t>
+            </a:r>
+            <a:endParaRPr lang="en-GB" sz="1800" dirty="0">
+              <a:latin typeface="Courier New" pitchFamily="49"/>
+            </a:endParaRPr>
           </a:p>
           <a:p>
             <a:pPr marL="0" lvl="1" indent="0" hangingPunct="0">
@@ -17472,7 +17486,7 @@
                 <a:ea typeface="Microsoft YaHei" pitchFamily="2"/>
                 <a:cs typeface="Arial" pitchFamily="2"/>
               </a:rPr>
-              <a:t>“mark”</a:t>
+              <a:t>“Dave”</a:t>
             </a:r>
             <a:endParaRPr lang="en-GB" sz="1050" b="0" i="0" u="none" strike="noStrike" kern="1200" dirty="0">
               <a:ln>
@@ -19027,7 +19041,7 @@
         <p:spPr>
           <a:xfrm>
             <a:off x="800281" y="2597039"/>
-            <a:ext cx="1552319" cy="333000"/>
+            <a:ext cx="1566752" cy="352361"/>
           </a:xfrm>
           <a:prstGeom prst="rect">
             <a:avLst/>
@@ -19059,6 +19073,20 @@
               <a:tabLst/>
             </a:pPr>
             <a:r>
+              <a:rPr lang="en-GB" sz="1800" b="0" i="0" u="none" strike="noStrike" kern="1200" dirty="0" smtClean="0">
+                <a:ln>
+                  <a:noFill/>
+                </a:ln>
+                <a:solidFill>
+                  <a:srgbClr val="FF3333"/>
+                </a:solidFill>
+                <a:latin typeface="Courier New" pitchFamily="49"/>
+                <a:ea typeface="Microsoft YaHei" pitchFamily="2"/>
+                <a:cs typeface="Arial" pitchFamily="2"/>
+              </a:rPr>
+              <a:t>x </a:t>
+            </a:r>
+            <a:r>
               <a:rPr lang="en-GB" sz="1800" b="0" i="0" u="none" strike="noStrike" kern="1200" dirty="0">
                 <a:ln>
                   <a:noFill/>
@@ -19070,7 +19098,7 @@
                 <a:ea typeface="Microsoft YaHei" pitchFamily="2"/>
                 <a:cs typeface="Arial" pitchFamily="2"/>
               </a:rPr>
-              <a:t>X = “Fred”</a:t>
+              <a:t>= “Fred”</a:t>
             </a:r>
           </a:p>
         </p:txBody>
@@ -19145,8 +19173,8 @@
         </p:nvSpPr>
         <p:spPr>
           <a:xfrm>
-            <a:off x="855362" y="2615759"/>
-            <a:ext cx="1552319" cy="333000"/>
+            <a:off x="863821" y="2585975"/>
+            <a:ext cx="1566752" cy="352361"/>
           </a:xfrm>
           <a:prstGeom prst="rect">
             <a:avLst/>
@@ -19183,6 +19211,20 @@
               </a:defRPr>
             </a:pPr>
             <a:r>
+              <a:rPr lang="en-GB" sz="1800" b="0" i="0" u="none" strike="noStrike" kern="1200" dirty="0" smtClean="0">
+                <a:ln>
+                  <a:noFill/>
+                </a:ln>
+                <a:solidFill>
+                  <a:srgbClr val="3333FF"/>
+                </a:solidFill>
+                <a:latin typeface="Courier New" pitchFamily="49"/>
+                <a:ea typeface="Microsoft YaHei" pitchFamily="2"/>
+                <a:cs typeface="Arial" pitchFamily="2"/>
+              </a:rPr>
+              <a:t>x </a:t>
+            </a:r>
+            <a:r>
               <a:rPr lang="en-GB" sz="1800" b="0" i="0" u="none" strike="noStrike" kern="1200" dirty="0">
                 <a:ln>
                   <a:noFill/>
@@ -19194,8 +19236,33 @@
                 <a:ea typeface="Microsoft YaHei" pitchFamily="2"/>
                 <a:cs typeface="Arial" pitchFamily="2"/>
               </a:rPr>
-              <a:t>X = “Mark”</a:t>
-            </a:r>
+              <a:t>= </a:t>
+            </a:r>
+            <a:r>
+              <a:rPr lang="en-GB" sz="1800" b="0" i="0" u="none" strike="noStrike" kern="1200" dirty="0" smtClean="0">
+                <a:ln>
+                  <a:noFill/>
+                </a:ln>
+                <a:solidFill>
+                  <a:srgbClr val="3333FF"/>
+                </a:solidFill>
+                <a:latin typeface="Courier New" pitchFamily="49"/>
+                <a:ea typeface="Microsoft YaHei" pitchFamily="2"/>
+                <a:cs typeface="Arial" pitchFamily="2"/>
+              </a:rPr>
+              <a:t>“Dave”</a:t>
+            </a:r>
+            <a:endParaRPr lang="en-GB" sz="1800" b="0" i="0" u="none" strike="noStrike" kern="1200" dirty="0">
+              <a:ln>
+                <a:noFill/>
+              </a:ln>
+              <a:solidFill>
+                <a:srgbClr val="3333FF"/>
+              </a:solidFill>
+              <a:latin typeface="Courier New" pitchFamily="49"/>
+              <a:ea typeface="Microsoft YaHei" pitchFamily="2"/>
+              <a:cs typeface="Arial" pitchFamily="2"/>
+            </a:endParaRPr>
           </a:p>
         </p:txBody>
       </p:sp>
@@ -19637,8 +19704,8 @@
         </p:nvSpPr>
         <p:spPr>
           <a:xfrm>
-            <a:off x="880562" y="2609409"/>
-            <a:ext cx="1552319" cy="333000"/>
+            <a:off x="869530" y="2628000"/>
+            <a:ext cx="1428253" cy="352361"/>
           </a:xfrm>
           <a:prstGeom prst="rect">
             <a:avLst/>
@@ -19675,6 +19742,20 @@
               </a:defRPr>
             </a:pPr>
             <a:r>
+              <a:rPr lang="en-GB" sz="1800" b="0" i="0" u="none" strike="noStrike" kern="1200" dirty="0" smtClean="0">
+                <a:ln>
+                  <a:noFill/>
+                </a:ln>
+                <a:solidFill>
+                  <a:srgbClr val="00FF66"/>
+                </a:solidFill>
+                <a:latin typeface="Courier New" pitchFamily="49"/>
+                <a:ea typeface="Microsoft YaHei" pitchFamily="2"/>
+                <a:cs typeface="Arial" pitchFamily="2"/>
+              </a:rPr>
+              <a:t>x </a:t>
+            </a:r>
+            <a:r>
               <a:rPr lang="en-GB" sz="1800" b="0" i="0" u="none" strike="noStrike" kern="1200" dirty="0">
                 <a:ln>
                   <a:noFill/>
@@ -19686,7 +19767,7 @@
                 <a:ea typeface="Microsoft YaHei" pitchFamily="2"/>
                 <a:cs typeface="Arial" pitchFamily="2"/>
               </a:rPr>
-              <a:t>X = “Tim”</a:t>
+              <a:t>= “Tim”</a:t>
             </a:r>
           </a:p>
         </p:txBody>
@@ -20731,11 +20812,11 @@
   <p:clrMapOvr>
     <a:masterClrMapping/>
   </p:clrMapOvr>
-  <mc:AlternateContent xmlns:mc="http://schemas.openxmlformats.org/markup-compatibility/2006">
-    <mc:Choice xmlns:p14="http://schemas.microsoft.com/office/powerpoint/2010/main" Requires="p14">
+  <mc:AlternateContent xmlns:mc="http://schemas.openxmlformats.org/markup-compatibility/2006" xmlns:p14="http://schemas.microsoft.com/office/powerpoint/2010/main">
+    <mc:Choice Requires="p14">
       <p:transition spd="slow" p14:dur="2000"/>
     </mc:Choice>
-    <mc:Fallback>
+    <mc:Fallback xmlns="">
       <p:transition spd="slow"/>
     </mc:Fallback>
   </mc:AlternateContent>
@@ -21812,11 +21893,11 @@
   <p:clrMapOvr>
     <a:masterClrMapping/>
   </p:clrMapOvr>
-  <mc:AlternateContent xmlns:mc="http://schemas.openxmlformats.org/markup-compatibility/2006">
-    <mc:Choice xmlns:p14="http://schemas.microsoft.com/office/powerpoint/2010/main" Requires="p14">
+  <mc:AlternateContent xmlns:mc="http://schemas.openxmlformats.org/markup-compatibility/2006" xmlns:p14="http://schemas.microsoft.com/office/powerpoint/2010/main">
+    <mc:Choice Requires="p14">
       <p:transition spd="slow" p14:dur="2000"/>
     </mc:Choice>
-    <mc:Fallback>
+    <mc:Fallback xmlns="">
       <p:transition spd="slow"/>
     </mc:Fallback>
   </mc:AlternateContent>
@@ -22496,11 +22577,11 @@
   <p:clrMapOvr>
     <a:masterClrMapping/>
   </p:clrMapOvr>
-  <mc:AlternateContent xmlns:mc="http://schemas.openxmlformats.org/markup-compatibility/2006">
-    <mc:Choice xmlns:p14="http://schemas.microsoft.com/office/powerpoint/2010/main" Requires="p14">
+  <mc:AlternateContent xmlns:mc="http://schemas.openxmlformats.org/markup-compatibility/2006" xmlns:p14="http://schemas.microsoft.com/office/powerpoint/2010/main">
+    <mc:Choice Requires="p14">
       <p:transition spd="slow" p14:dur="2000"/>
     </mc:Choice>
-    <mc:Fallback>
+    <mc:Fallback xmlns="">
       <p:transition spd="slow"/>
     </mc:Fallback>
   </mc:AlternateContent>
@@ -23415,11 +23496,11 @@
   <p:clrMapOvr>
     <a:masterClrMapping/>
   </p:clrMapOvr>
-  <mc:AlternateContent xmlns:mc="http://schemas.openxmlformats.org/markup-compatibility/2006">
-    <mc:Choice xmlns:p14="http://schemas.microsoft.com/office/powerpoint/2010/main" Requires="p14">
+  <mc:AlternateContent xmlns:mc="http://schemas.openxmlformats.org/markup-compatibility/2006" xmlns:p14="http://schemas.microsoft.com/office/powerpoint/2010/main">
+    <mc:Choice Requires="p14">
       <p:transition spd="slow" p14:dur="2000"/>
     </mc:Choice>
-    <mc:Fallback>
+    <mc:Fallback xmlns="">
       <p:transition spd="slow"/>
     </mc:Fallback>
   </mc:AlternateContent>
@@ -23917,11 +23998,11 @@
   <p:clrMapOvr>
     <a:masterClrMapping/>
   </p:clrMapOvr>
-  <mc:AlternateContent xmlns:mc="http://schemas.openxmlformats.org/markup-compatibility/2006">
-    <mc:Choice xmlns:p14="http://schemas.microsoft.com/office/powerpoint/2010/main" Requires="p14">
+  <mc:AlternateContent xmlns:mc="http://schemas.openxmlformats.org/markup-compatibility/2006" xmlns:p14="http://schemas.microsoft.com/office/powerpoint/2010/main">
+    <mc:Choice Requires="p14">
       <p:transition spd="slow" p14:dur="2000"/>
     </mc:Choice>
-    <mc:Fallback>
+    <mc:Fallback xmlns="">
       <p:transition spd="slow"/>
     </mc:Fallback>
   </mc:AlternateContent>
@@ -24241,11 +24322,11 @@
   <p:clrMapOvr>
     <a:masterClrMapping/>
   </p:clrMapOvr>
-  <mc:AlternateContent xmlns:mc="http://schemas.openxmlformats.org/markup-compatibility/2006">
-    <mc:Choice xmlns:p14="http://schemas.microsoft.com/office/powerpoint/2010/main" Requires="p14">
+  <mc:AlternateContent xmlns:mc="http://schemas.openxmlformats.org/markup-compatibility/2006" xmlns:p14="http://schemas.microsoft.com/office/powerpoint/2010/main">
+    <mc:Choice Requires="p14">
       <p:transition spd="slow" p14:dur="2000"/>
     </mc:Choice>
-    <mc:Fallback>
+    <mc:Fallback xmlns="">
       <p:transition spd="slow"/>
     </mc:Fallback>
   </mc:AlternateContent>
@@ -24449,11 +24530,11 @@
   <p:clrMapOvr>
     <a:masterClrMapping/>
   </p:clrMapOvr>
-  <mc:AlternateContent xmlns:mc="http://schemas.openxmlformats.org/markup-compatibility/2006">
-    <mc:Choice xmlns:p14="http://schemas.microsoft.com/office/powerpoint/2010/main" Requires="p14">
+  <mc:AlternateContent xmlns:mc="http://schemas.openxmlformats.org/markup-compatibility/2006" xmlns:p14="http://schemas.microsoft.com/office/powerpoint/2010/main">
+    <mc:Choice Requires="p14">
       <p:transition spd="slow" p14:dur="2000"/>
     </mc:Choice>
-    <mc:Fallback>
+    <mc:Fallback xmlns="">
       <p:transition spd="slow"/>
     </mc:Fallback>
   </mc:AlternateContent>
@@ -24872,11 +24953,11 @@
   <p:clrMapOvr>
     <a:masterClrMapping/>
   </p:clrMapOvr>
-  <mc:AlternateContent xmlns:mc="http://schemas.openxmlformats.org/markup-compatibility/2006">
-    <mc:Choice xmlns:p14="http://schemas.microsoft.com/office/powerpoint/2010/main" Requires="p14">
+  <mc:AlternateContent xmlns:mc="http://schemas.openxmlformats.org/markup-compatibility/2006" xmlns:p14="http://schemas.microsoft.com/office/powerpoint/2010/main">
+    <mc:Choice Requires="p14">
       <p:transition spd="slow" p14:dur="2000"/>
     </mc:Choice>
-    <mc:Fallback>
+    <mc:Fallback xmlns="">
       <p:transition spd="slow"/>
     </mc:Fallback>
   </mc:AlternateContent>
@@ -24977,11 +25058,11 @@
   <p:clrMapOvr>
     <a:masterClrMapping/>
   </p:clrMapOvr>
-  <mc:AlternateContent xmlns:mc="http://schemas.openxmlformats.org/markup-compatibility/2006">
-    <mc:Choice xmlns:p14="http://schemas.microsoft.com/office/powerpoint/2010/main" Requires="p14">
+  <mc:AlternateContent xmlns:mc="http://schemas.openxmlformats.org/markup-compatibility/2006" xmlns:p14="http://schemas.microsoft.com/office/powerpoint/2010/main">
+    <mc:Choice Requires="p14">
       <p:transition spd="slow" p14:dur="2000"/>
     </mc:Choice>
-    <mc:Fallback>
+    <mc:Fallback xmlns="">
       <p:transition spd="slow"/>
     </mc:Fallback>
   </mc:AlternateContent>
@@ -25455,11 +25536,11 @@
   <p:clrMapOvr>
     <a:masterClrMapping/>
   </p:clrMapOvr>
-  <mc:AlternateContent xmlns:mc="http://schemas.openxmlformats.org/markup-compatibility/2006">
-    <mc:Choice xmlns:p14="http://schemas.microsoft.com/office/powerpoint/2010/main" Requires="p14">
+  <mc:AlternateContent xmlns:mc="http://schemas.openxmlformats.org/markup-compatibility/2006" xmlns:p14="http://schemas.microsoft.com/office/powerpoint/2010/main">
+    <mc:Choice Requires="p14">
       <p:transition spd="slow" p14:dur="2000"/>
     </mc:Choice>
-    <mc:Fallback>
+    <mc:Fallback xmlns="">
       <p:transition spd="slow"/>
     </mc:Fallback>
   </mc:AlternateContent>
@@ -26178,11 +26259,11 @@
   <p:clrMapOvr>
     <a:masterClrMapping/>
   </p:clrMapOvr>
-  <mc:AlternateContent xmlns:mc="http://schemas.openxmlformats.org/markup-compatibility/2006">
-    <mc:Choice xmlns:p14="http://schemas.microsoft.com/office/powerpoint/2010/main" Requires="p14">
+  <mc:AlternateContent xmlns:mc="http://schemas.openxmlformats.org/markup-compatibility/2006" xmlns:p14="http://schemas.microsoft.com/office/powerpoint/2010/main">
+    <mc:Choice Requires="p14">
       <p:transition spd="slow" p14:dur="2000"/>
     </mc:Choice>
-    <mc:Fallback>
+    <mc:Fallback xmlns="">
       <p:transition spd="slow"/>
     </mc:Fallback>
   </mc:AlternateContent>
@@ -26595,11 +26676,11 @@
   <p:clrMapOvr>
     <a:masterClrMapping/>
   </p:clrMapOvr>
-  <mc:AlternateContent xmlns:mc="http://schemas.openxmlformats.org/markup-compatibility/2006">
-    <mc:Choice xmlns:p14="http://schemas.microsoft.com/office/powerpoint/2010/main" Requires="p14">
+  <mc:AlternateContent xmlns:mc="http://schemas.openxmlformats.org/markup-compatibility/2006" xmlns:p14="http://schemas.microsoft.com/office/powerpoint/2010/main">
+    <mc:Choice Requires="p14">
       <p:transition spd="slow" p14:dur="2000"/>
     </mc:Choice>
-    <mc:Fallback>
+    <mc:Fallback xmlns="">
       <p:transition spd="slow"/>
     </mc:Fallback>
   </mc:AlternateContent>
@@ -26699,10 +26780,16 @@
               <a:buSzPct val="45000"/>
             </a:pPr>
             <a:r>
+              <a:rPr lang="en-GB" sz="2200" dirty="0" smtClean="0">
+                <a:latin typeface="Courier New" pitchFamily="49"/>
+              </a:rPr>
+              <a:t>while(True</a:t>
+            </a:r>
+            <a:r>
               <a:rPr lang="en-GB" sz="2200" dirty="0">
                 <a:latin typeface="Courier New" pitchFamily="49"/>
               </a:rPr>
-              <a:t>while(true):</a:t>
+              <a:t>):</a:t>
             </a:r>
           </a:p>
           <a:p>
@@ -26814,11 +26901,11 @@
   <p:clrMapOvr>
     <a:masterClrMapping/>
   </p:clrMapOvr>
-  <mc:AlternateContent xmlns:mc="http://schemas.openxmlformats.org/markup-compatibility/2006">
-    <mc:Choice xmlns:p14="http://schemas.microsoft.com/office/powerpoint/2010/main" Requires="p14">
+  <mc:AlternateContent xmlns:mc="http://schemas.openxmlformats.org/markup-compatibility/2006" xmlns:p14="http://schemas.microsoft.com/office/powerpoint/2010/main">
+    <mc:Choice Requires="p14">
       <p:transition spd="slow" p14:dur="2000"/>
     </mc:Choice>
-    <mc:Fallback>
+    <mc:Fallback xmlns="">
       <p:transition spd="slow"/>
     </mc:Fallback>
   </mc:AlternateContent>
@@ -27389,11 +27476,11 @@
   <p:clrMapOvr>
     <a:masterClrMapping/>
   </p:clrMapOvr>
-  <mc:AlternateContent xmlns:mc="http://schemas.openxmlformats.org/markup-compatibility/2006">
-    <mc:Choice xmlns:p14="http://schemas.microsoft.com/office/powerpoint/2010/main" Requires="p14">
+  <mc:AlternateContent xmlns:mc="http://schemas.openxmlformats.org/markup-compatibility/2006" xmlns:p14="http://schemas.microsoft.com/office/powerpoint/2010/main">
+    <mc:Choice Requires="p14">
       <p:transition spd="slow" p14:dur="2000"/>
     </mc:Choice>
-    <mc:Fallback>
+    <mc:Fallback xmlns="">
       <p:transition spd="slow"/>
     </mc:Fallback>
   </mc:AlternateContent>
@@ -27762,11 +27849,11 @@
   <p:clrMapOvr>
     <a:masterClrMapping/>
   </p:clrMapOvr>
-  <mc:AlternateContent xmlns:mc="http://schemas.openxmlformats.org/markup-compatibility/2006">
-    <mc:Choice xmlns:p14="http://schemas.microsoft.com/office/powerpoint/2010/main" Requires="p14">
+  <mc:AlternateContent xmlns:mc="http://schemas.openxmlformats.org/markup-compatibility/2006" xmlns:p14="http://schemas.microsoft.com/office/powerpoint/2010/main">
+    <mc:Choice Requires="p14">
       <p:transition spd="slow" p14:dur="2000"/>
     </mc:Choice>
-    <mc:Fallback>
+    <mc:Fallback xmlns="">
       <p:transition spd="slow"/>
     </mc:Fallback>
   </mc:AlternateContent>
@@ -28070,11 +28157,11 @@
   <p:clrMapOvr>
     <a:masterClrMapping/>
   </p:clrMapOvr>
-  <mc:AlternateContent xmlns:mc="http://schemas.openxmlformats.org/markup-compatibility/2006">
-    <mc:Choice xmlns:p14="http://schemas.microsoft.com/office/powerpoint/2010/main" Requires="p14">
+  <mc:AlternateContent xmlns:mc="http://schemas.openxmlformats.org/markup-compatibility/2006" xmlns:p14="http://schemas.microsoft.com/office/powerpoint/2010/main">
+    <mc:Choice Requires="p14">
       <p:transition spd="slow" p14:dur="2000"/>
     </mc:Choice>
-    <mc:Fallback>
+    <mc:Fallback xmlns="">
       <p:transition spd="slow"/>
     </mc:Fallback>
   </mc:AlternateContent>
@@ -28443,11 +28530,11 @@
   <p:clrMapOvr>
     <a:masterClrMapping/>
   </p:clrMapOvr>
-  <mc:AlternateContent xmlns:mc="http://schemas.openxmlformats.org/markup-compatibility/2006">
-    <mc:Choice xmlns:p14="http://schemas.microsoft.com/office/powerpoint/2010/main" Requires="p14">
+  <mc:AlternateContent xmlns:mc="http://schemas.openxmlformats.org/markup-compatibility/2006" xmlns:p14="http://schemas.microsoft.com/office/powerpoint/2010/main">
+    <mc:Choice Requires="p14">
       <p:transition spd="slow" p14:dur="2000"/>
     </mc:Choice>
-    <mc:Fallback>
+    <mc:Fallback xmlns="">
       <p:transition spd="slow"/>
     </mc:Fallback>
   </mc:AlternateContent>
@@ -28462,7 +28549,7 @@
 </file>
 
 <file path=ppt/slides/slide29.xml><?xml version="1.0" encoding="utf-8"?>
-<p:sld xmlns:a="http://schemas.openxmlformats.org/drawingml/2006/main" xmlns:r="http://schemas.openxmlformats.org/officeDocument/2006/relationships" xmlns:p="http://schemas.openxmlformats.org/presentationml/2006/main">
+<p:sld xmlns:a="http://schemas.openxmlformats.org/drawingml/2006/main" xmlns:r="http://schemas.openxmlformats.org/officeDocument/2006/relationships" xmlns:p="http://schemas.openxmlformats.org/presentationml/2006/main" show="0">
   <p:cSld name="page29">
     <p:spTree>
       <p:nvGrpSpPr>
@@ -28552,7 +28639,7 @@
       </p:sp>
       <p:pic>
         <p:nvPicPr>
-          <p:cNvPr id="4" name="">
+          <p:cNvPr id="4" name="Picture 3">
             <a:extLst>
               <a:ext uri="{FF2B5EF4-FFF2-40B4-BE49-F238E27FC236}">
                 <a16:creationId xmlns:a16="http://schemas.microsoft.com/office/drawing/2014/main" id="{00000000-0000-0000-0000-000000000000}"/>
@@ -28889,11 +28976,11 @@
   <p:clrMapOvr>
     <a:masterClrMapping/>
   </p:clrMapOvr>
-  <mc:AlternateContent xmlns:mc="http://schemas.openxmlformats.org/markup-compatibility/2006">
-    <mc:Choice xmlns:p14="http://schemas.microsoft.com/office/powerpoint/2010/main" Requires="p14">
+  <mc:AlternateContent xmlns:mc="http://schemas.openxmlformats.org/markup-compatibility/2006" xmlns:p14="http://schemas.microsoft.com/office/powerpoint/2010/main">
+    <mc:Choice Requires="p14">
       <p:transition spd="slow" p14:dur="2000"/>
     </mc:Choice>
-    <mc:Fallback>
+    <mc:Fallback xmlns="">
       <p:transition spd="slow"/>
     </mc:Fallback>
   </mc:AlternateContent>
@@ -28908,7 +28995,7 @@
 </file>
 
 <file path=ppt/slides/slide30.xml><?xml version="1.0" encoding="utf-8"?>
-<p:sld xmlns:a="http://schemas.openxmlformats.org/drawingml/2006/main" xmlns:r="http://schemas.openxmlformats.org/officeDocument/2006/relationships" xmlns:p="http://schemas.openxmlformats.org/presentationml/2006/main">
+<p:sld xmlns:a="http://schemas.openxmlformats.org/drawingml/2006/main" xmlns:r="http://schemas.openxmlformats.org/officeDocument/2006/relationships" xmlns:p="http://schemas.openxmlformats.org/presentationml/2006/main" show="0">
   <p:cSld name="page30">
     <p:spTree>
       <p:nvGrpSpPr>
@@ -29035,7 +29122,7 @@
       </p:sp>
       <p:pic>
         <p:nvPicPr>
-          <p:cNvPr id="4" name="">
+          <p:cNvPr id="4" name="Picture 3">
             <a:extLst>
               <a:ext uri="{FF2B5EF4-FFF2-40B4-BE49-F238E27FC236}">
                 <a16:creationId xmlns:a16="http://schemas.microsoft.com/office/drawing/2014/main" id="{00000000-0000-0000-0000-000000000000}"/>
@@ -29095,7 +29182,7 @@
 </file>
 
 <file path=ppt/slides/slide31.xml><?xml version="1.0" encoding="utf-8"?>
-<p:sld xmlns:a="http://schemas.openxmlformats.org/drawingml/2006/main" xmlns:r="http://schemas.openxmlformats.org/officeDocument/2006/relationships" xmlns:p="http://schemas.openxmlformats.org/presentationml/2006/main">
+<p:sld xmlns:a="http://schemas.openxmlformats.org/drawingml/2006/main" xmlns:r="http://schemas.openxmlformats.org/officeDocument/2006/relationships" xmlns:p="http://schemas.openxmlformats.org/presentationml/2006/main" show="0">
   <p:cSld name="page31">
     <p:spTree>
       <p:nvGrpSpPr>
@@ -29222,7 +29309,7 @@
       </p:sp>
       <p:pic>
         <p:nvPicPr>
-          <p:cNvPr id="4" name="">
+          <p:cNvPr id="4" name="Picture 3">
             <a:extLst>
               <a:ext uri="{FF2B5EF4-FFF2-40B4-BE49-F238E27FC236}">
                 <a16:creationId xmlns:a16="http://schemas.microsoft.com/office/drawing/2014/main" id="{00000000-0000-0000-0000-000000000000}"/>
@@ -29282,7 +29369,7 @@
 </file>
 
 <file path=ppt/slides/slide32.xml><?xml version="1.0" encoding="utf-8"?>
-<p:sld xmlns:a="http://schemas.openxmlformats.org/drawingml/2006/main" xmlns:r="http://schemas.openxmlformats.org/officeDocument/2006/relationships" xmlns:p="http://schemas.openxmlformats.org/presentationml/2006/main">
+<p:sld xmlns:a="http://schemas.openxmlformats.org/drawingml/2006/main" xmlns:r="http://schemas.openxmlformats.org/officeDocument/2006/relationships" xmlns:p="http://schemas.openxmlformats.org/presentationml/2006/main" show="0">
   <p:cSld name="page32">
     <p:spTree>
       <p:nvGrpSpPr>
@@ -29421,7 +29508,7 @@
 </file>
 
 <file path=ppt/slides/slide33.xml><?xml version="1.0" encoding="utf-8"?>
-<p:sld xmlns:a="http://schemas.openxmlformats.org/drawingml/2006/main" xmlns:r="http://schemas.openxmlformats.org/officeDocument/2006/relationships" xmlns:p="http://schemas.openxmlformats.org/presentationml/2006/main">
+<p:sld xmlns:a="http://schemas.openxmlformats.org/drawingml/2006/main" xmlns:r="http://schemas.openxmlformats.org/officeDocument/2006/relationships" xmlns:p="http://schemas.openxmlformats.org/presentationml/2006/main" show="0">
   <p:cSld name="page33">
     <p:spTree>
       <p:nvGrpSpPr>
@@ -29519,7 +29606,7 @@
       </p:sp>
       <p:pic>
         <p:nvPicPr>
-          <p:cNvPr id="4" name="">
+          <p:cNvPr id="4" name="Picture 3">
             <a:extLst>
               <a:ext uri="{FF2B5EF4-FFF2-40B4-BE49-F238E27FC236}">
                 <a16:creationId xmlns:a16="http://schemas.microsoft.com/office/drawing/2014/main" id="{00000000-0000-0000-0000-000000000000}"/>
@@ -30718,11 +30805,11 @@
   <p:clrMapOvr>
     <a:masterClrMapping/>
   </p:clrMapOvr>
-  <mc:AlternateContent xmlns:mc="http://schemas.openxmlformats.org/markup-compatibility/2006">
-    <mc:Choice xmlns:p14="http://schemas.microsoft.com/office/powerpoint/2010/main" Requires="p14">
+  <mc:AlternateContent xmlns:mc="http://schemas.openxmlformats.org/markup-compatibility/2006" xmlns:p14="http://schemas.microsoft.com/office/powerpoint/2010/main">
+    <mc:Choice Requires="p14">
       <p:transition spd="slow" p14:dur="2000"/>
     </mc:Choice>
-    <mc:Fallback>
+    <mc:Fallback xmlns="">
       <p:transition spd="slow"/>
     </mc:Fallback>
   </mc:AlternateContent>
@@ -31169,7 +31256,7 @@
       </p:sp>
       <p:graphicFrame>
         <p:nvGraphicFramePr>
-          <p:cNvPr id="10" name=""/>
+          <p:cNvPr id="10" name="Table 9"/>
           <p:cNvGraphicFramePr>
             <a:graphicFrameLocks noGrp="1"/>
           </p:cNvGraphicFramePr>
@@ -32020,11 +32107,11 @@
   <p:clrMapOvr>
     <a:masterClrMapping/>
   </p:clrMapOvr>
-  <mc:AlternateContent xmlns:mc="http://schemas.openxmlformats.org/markup-compatibility/2006">
-    <mc:Choice xmlns:p14="http://schemas.microsoft.com/office/powerpoint/2010/main" Requires="p14">
+  <mc:AlternateContent xmlns:mc="http://schemas.openxmlformats.org/markup-compatibility/2006" xmlns:p14="http://schemas.microsoft.com/office/powerpoint/2010/main">
+    <mc:Choice Requires="p14">
       <p:transition spd="slow" p14:dur="2000"/>
     </mc:Choice>
-    <mc:Fallback>
+    <mc:Fallback xmlns="">
       <p:transition spd="slow"/>
     </mc:Fallback>
   </mc:AlternateContent>
@@ -32643,11 +32730,11 @@
   <p:clrMapOvr>
     <a:masterClrMapping/>
   </p:clrMapOvr>
-  <mc:AlternateContent xmlns:mc="http://schemas.openxmlformats.org/markup-compatibility/2006">
-    <mc:Choice xmlns:p14="http://schemas.microsoft.com/office/powerpoint/2010/main" Requires="p14">
+  <mc:AlternateContent xmlns:mc="http://schemas.openxmlformats.org/markup-compatibility/2006" xmlns:p14="http://schemas.microsoft.com/office/powerpoint/2010/main">
+    <mc:Choice Requires="p14">
       <p:transition spd="slow" p14:dur="2000"/>
     </mc:Choice>
-    <mc:Fallback>
+    <mc:Fallback xmlns="">
       <p:transition spd="slow"/>
     </mc:Fallback>
   </mc:AlternateContent>
@@ -32820,11 +32907,11 @@
   <p:clrMapOvr>
     <a:masterClrMapping/>
   </p:clrMapOvr>
-  <mc:AlternateContent xmlns:mc="http://schemas.openxmlformats.org/markup-compatibility/2006">
-    <mc:Choice xmlns:p14="http://schemas.microsoft.com/office/powerpoint/2010/main" Requires="p14">
+  <mc:AlternateContent xmlns:mc="http://schemas.openxmlformats.org/markup-compatibility/2006" xmlns:p14="http://schemas.microsoft.com/office/powerpoint/2010/main">
+    <mc:Choice Requires="p14">
       <p:transition spd="slow" p14:dur="2000"/>
     </mc:Choice>
-    <mc:Fallback>
+    <mc:Fallback xmlns="">
       <p:transition spd="slow"/>
     </mc:Fallback>
   </mc:AlternateContent>
@@ -33035,11 +33122,11 @@
   <p:clrMapOvr>
     <a:masterClrMapping/>
   </p:clrMapOvr>
-  <mc:AlternateContent xmlns:mc="http://schemas.openxmlformats.org/markup-compatibility/2006">
-    <mc:Choice xmlns:p14="http://schemas.microsoft.com/office/powerpoint/2010/main" Requires="p14">
+  <mc:AlternateContent xmlns:mc="http://schemas.openxmlformats.org/markup-compatibility/2006" xmlns:p14="http://schemas.microsoft.com/office/powerpoint/2010/main">
+    <mc:Choice Requires="p14">
       <p:transition spd="slow" p14:dur="2000"/>
     </mc:Choice>
-    <mc:Fallback>
+    <mc:Fallback xmlns="">
       <p:transition spd="slow"/>
     </mc:Fallback>
   </mc:AlternateContent>
@@ -33148,11 +33235,11 @@
   <p:clrMapOvr>
     <a:masterClrMapping/>
   </p:clrMapOvr>
-  <mc:AlternateContent xmlns:mc="http://schemas.openxmlformats.org/markup-compatibility/2006">
-    <mc:Choice xmlns:p14="http://schemas.microsoft.com/office/powerpoint/2010/main" Requires="p14">
+  <mc:AlternateContent xmlns:mc="http://schemas.openxmlformats.org/markup-compatibility/2006" xmlns:p14="http://schemas.microsoft.com/office/powerpoint/2010/main">
+    <mc:Choice Requires="p14">
       <p:transition spd="slow" p14:dur="2000"/>
     </mc:Choice>
-    <mc:Fallback>
+    <mc:Fallback xmlns="">
       <p:transition spd="slow"/>
     </mc:Fallback>
   </mc:AlternateContent>
